--- a/Work with API.pptx
+++ b/Work with API.pptx
@@ -1334,7 +1334,7 @@
           <a:p>
             <a:fld id="{0E23F9B3-362D-4373-84D2-7A0B425CFC0D}" type="datetimeFigureOut">
               <a:rPr lang="en-IN" smtClean="0"/>
-              <a:t>30-05-2020</a:t>
+              <a:t>31-05-2020</a:t>
             </a:fld>
             <a:endParaRPr lang="en-IN"/>
           </a:p>
@@ -1572,7 +1572,7 @@
           <a:p>
             <a:fld id="{0E23F9B3-362D-4373-84D2-7A0B425CFC0D}" type="datetimeFigureOut">
               <a:rPr lang="en-IN" smtClean="0"/>
-              <a:t>30-05-2020</a:t>
+              <a:t>31-05-2020</a:t>
             </a:fld>
             <a:endParaRPr lang="en-IN"/>
           </a:p>
@@ -1752,7 +1752,7 @@
           <a:p>
             <a:fld id="{0E23F9B3-362D-4373-84D2-7A0B425CFC0D}" type="datetimeFigureOut">
               <a:rPr lang="en-IN" smtClean="0"/>
-              <a:t>30-05-2020</a:t>
+              <a:t>31-05-2020</a:t>
             </a:fld>
             <a:endParaRPr lang="en-IN"/>
           </a:p>
@@ -1922,7 +1922,7 @@
           <a:p>
             <a:fld id="{0E23F9B3-362D-4373-84D2-7A0B425CFC0D}" type="datetimeFigureOut">
               <a:rPr lang="en-IN" smtClean="0"/>
-              <a:t>30-05-2020</a:t>
+              <a:t>31-05-2020</a:t>
             </a:fld>
             <a:endParaRPr lang="en-IN"/>
           </a:p>
@@ -2195,7 +2195,7 @@
           <a:p>
             <a:fld id="{0E23F9B3-362D-4373-84D2-7A0B425CFC0D}" type="datetimeFigureOut">
               <a:rPr lang="en-IN" smtClean="0"/>
-              <a:t>30-05-2020</a:t>
+              <a:t>31-05-2020</a:t>
             </a:fld>
             <a:endParaRPr lang="en-IN"/>
           </a:p>
@@ -3396,7 +3396,7 @@
           <a:p>
             <a:fld id="{0E23F9B3-362D-4373-84D2-7A0B425CFC0D}" type="datetimeFigureOut">
               <a:rPr lang="en-IN" smtClean="0"/>
-              <a:t>30-05-2020</a:t>
+              <a:t>31-05-2020</a:t>
             </a:fld>
             <a:endParaRPr lang="en-IN"/>
           </a:p>
@@ -3786,7 +3786,7 @@
           <a:p>
             <a:fld id="{0E23F9B3-362D-4373-84D2-7A0B425CFC0D}" type="datetimeFigureOut">
               <a:rPr lang="en-IN" smtClean="0"/>
-              <a:t>30-05-2020</a:t>
+              <a:t>31-05-2020</a:t>
             </a:fld>
             <a:endParaRPr lang="en-IN"/>
           </a:p>
@@ -3909,7 +3909,7 @@
           <a:p>
             <a:fld id="{0E23F9B3-362D-4373-84D2-7A0B425CFC0D}" type="datetimeFigureOut">
               <a:rPr lang="en-IN" smtClean="0"/>
-              <a:t>30-05-2020</a:t>
+              <a:t>31-05-2020</a:t>
             </a:fld>
             <a:endParaRPr lang="en-IN"/>
           </a:p>
@@ -4004,7 +4004,7 @@
           <a:p>
             <a:fld id="{0E23F9B3-362D-4373-84D2-7A0B425CFC0D}" type="datetimeFigureOut">
               <a:rPr lang="en-IN" smtClean="0"/>
-              <a:t>30-05-2020</a:t>
+              <a:t>31-05-2020</a:t>
             </a:fld>
             <a:endParaRPr lang="en-IN"/>
           </a:p>
@@ -4767,7 +4767,7 @@
           <a:p>
             <a:fld id="{0E23F9B3-362D-4373-84D2-7A0B425CFC0D}" type="datetimeFigureOut">
               <a:rPr lang="en-IN" smtClean="0"/>
-              <a:t>30-05-2020</a:t>
+              <a:t>31-05-2020</a:t>
             </a:fld>
             <a:endParaRPr lang="en-IN"/>
           </a:p>
@@ -5607,7 +5607,7 @@
           <a:p>
             <a:fld id="{0E23F9B3-362D-4373-84D2-7A0B425CFC0D}" type="datetimeFigureOut">
               <a:rPr lang="en-IN" smtClean="0"/>
-              <a:t>30-05-2020</a:t>
+              <a:t>31-05-2020</a:t>
             </a:fld>
             <a:endParaRPr lang="en-IN"/>
           </a:p>
@@ -5834,7 +5834,7 @@
           <a:p>
             <a:fld id="{0E23F9B3-362D-4373-84D2-7A0B425CFC0D}" type="datetimeFigureOut">
               <a:rPr lang="en-IN" smtClean="0"/>
-              <a:t>30-05-2020</a:t>
+              <a:t>31-05-2020</a:t>
             </a:fld>
             <a:endParaRPr lang="en-IN"/>
           </a:p>
@@ -6899,8 +6899,12 @@
           <a:p>
             <a:pPr algn="ctr"/>
             <a:r>
+              <a:rPr lang="en-IN" sz="4500"/>
+              <a:t>Working </a:t>
+            </a:r>
+            <a:r>
               <a:rPr lang="en-IN" sz="4500" dirty="0"/>
-              <a:t>Work with API</a:t>
+              <a:t>with API</a:t>
             </a:r>
           </a:p>
         </p:txBody>
